--- a/gan/GAN.pptx
+++ b/gan/GAN.pptx
@@ -110,6 +110,11 @@
       </a:defRPr>
     </a:lvl9pPr>
   </p:defaultTextStyle>
+  <p:extLst>
+    <p:ext uri="{EFAFB233-063F-42B5-8137-9DF3F51BA10A}">
+      <p15:sldGuideLst xmlns:p15="http://schemas.microsoft.com/office/powerpoint/2012/main"/>
+    </p:ext>
+  </p:extLst>
 </p:presentation>
 </file>
 
@@ -195,7 +200,7 @@
           <a:p>
             <a:fld id="{F55A1EB6-340D-43E7-9494-C3474AD76D90}" type="datetimeFigureOut">
               <a:rPr lang="en-US" smtClean="0"/>
-              <a:t>12/22/2017</a:t>
+              <a:t>12/26/2017</a:t>
             </a:fld>
             <a:endParaRPr lang="en-US"/>
           </a:p>
@@ -1089,7 +1094,7 @@
           <a:p>
             <a:fld id="{196B9BB3-95BF-4FB3-817B-C0A307063576}" type="datetimeFigureOut">
               <a:rPr lang="en-US" smtClean="0"/>
-              <a:t>12/22/2017</a:t>
+              <a:t>12/26/2017</a:t>
             </a:fld>
             <a:endParaRPr lang="en-US"/>
           </a:p>
@@ -1259,7 +1264,7 @@
           <a:p>
             <a:fld id="{196B9BB3-95BF-4FB3-817B-C0A307063576}" type="datetimeFigureOut">
               <a:rPr lang="en-US" smtClean="0"/>
-              <a:t>12/22/2017</a:t>
+              <a:t>12/26/2017</a:t>
             </a:fld>
             <a:endParaRPr lang="en-US"/>
           </a:p>
@@ -1439,7 +1444,7 @@
           <a:p>
             <a:fld id="{196B9BB3-95BF-4FB3-817B-C0A307063576}" type="datetimeFigureOut">
               <a:rPr lang="en-US" smtClean="0"/>
-              <a:t>12/22/2017</a:t>
+              <a:t>12/26/2017</a:t>
             </a:fld>
             <a:endParaRPr lang="en-US"/>
           </a:p>
@@ -1609,7 +1614,7 @@
           <a:p>
             <a:fld id="{196B9BB3-95BF-4FB3-817B-C0A307063576}" type="datetimeFigureOut">
               <a:rPr lang="en-US" smtClean="0"/>
-              <a:t>12/22/2017</a:t>
+              <a:t>12/26/2017</a:t>
             </a:fld>
             <a:endParaRPr lang="en-US"/>
           </a:p>
@@ -1855,7 +1860,7 @@
           <a:p>
             <a:fld id="{196B9BB3-95BF-4FB3-817B-C0A307063576}" type="datetimeFigureOut">
               <a:rPr lang="en-US" smtClean="0"/>
-              <a:t>12/22/2017</a:t>
+              <a:t>12/26/2017</a:t>
             </a:fld>
             <a:endParaRPr lang="en-US"/>
           </a:p>
@@ -2087,7 +2092,7 @@
           <a:p>
             <a:fld id="{196B9BB3-95BF-4FB3-817B-C0A307063576}" type="datetimeFigureOut">
               <a:rPr lang="en-US" smtClean="0"/>
-              <a:t>12/22/2017</a:t>
+              <a:t>12/26/2017</a:t>
             </a:fld>
             <a:endParaRPr lang="en-US"/>
           </a:p>
@@ -2454,7 +2459,7 @@
           <a:p>
             <a:fld id="{196B9BB3-95BF-4FB3-817B-C0A307063576}" type="datetimeFigureOut">
               <a:rPr lang="en-US" smtClean="0"/>
-              <a:t>12/22/2017</a:t>
+              <a:t>12/26/2017</a:t>
             </a:fld>
             <a:endParaRPr lang="en-US"/>
           </a:p>
@@ -2572,7 +2577,7 @@
           <a:p>
             <a:fld id="{196B9BB3-95BF-4FB3-817B-C0A307063576}" type="datetimeFigureOut">
               <a:rPr lang="en-US" smtClean="0"/>
-              <a:t>12/22/2017</a:t>
+              <a:t>12/26/2017</a:t>
             </a:fld>
             <a:endParaRPr lang="en-US"/>
           </a:p>
@@ -2667,7 +2672,7 @@
           <a:p>
             <a:fld id="{196B9BB3-95BF-4FB3-817B-C0A307063576}" type="datetimeFigureOut">
               <a:rPr lang="en-US" smtClean="0"/>
-              <a:t>12/22/2017</a:t>
+              <a:t>12/26/2017</a:t>
             </a:fld>
             <a:endParaRPr lang="en-US"/>
           </a:p>
@@ -2944,7 +2949,7 @@
           <a:p>
             <a:fld id="{196B9BB3-95BF-4FB3-817B-C0A307063576}" type="datetimeFigureOut">
               <a:rPr lang="en-US" smtClean="0"/>
-              <a:t>12/22/2017</a:t>
+              <a:t>12/26/2017</a:t>
             </a:fld>
             <a:endParaRPr lang="en-US"/>
           </a:p>
@@ -3197,7 +3202,7 @@
           <a:p>
             <a:fld id="{196B9BB3-95BF-4FB3-817B-C0A307063576}" type="datetimeFigureOut">
               <a:rPr lang="en-US" smtClean="0"/>
-              <a:t>12/22/2017</a:t>
+              <a:t>12/26/2017</a:t>
             </a:fld>
             <a:endParaRPr lang="en-US"/>
           </a:p>
@@ -3410,7 +3415,7 @@
           <a:p>
             <a:fld id="{196B9BB3-95BF-4FB3-817B-C0A307063576}" type="datetimeFigureOut">
               <a:rPr lang="en-US" smtClean="0"/>
-              <a:t>12/22/2017</a:t>
+              <a:t>12/26/2017</a:t>
             </a:fld>
             <a:endParaRPr lang="en-US"/>
           </a:p>
@@ -3855,15 +3860,7 @@
           <a:p>
             <a:r>
               <a:rPr lang="zh-CN" altLang="en-US" dirty="0" smtClean="0"/>
-              <a:t>生成</a:t>
-            </a:r>
-            <a:r>
-              <a:rPr lang="zh-CN" altLang="en-US" dirty="0" smtClean="0"/>
-              <a:t>对抗</a:t>
-            </a:r>
-            <a:r>
-              <a:rPr lang="zh-CN" altLang="en-US" dirty="0" smtClean="0"/>
-              <a:t>网络</a:t>
+              <a:t>生成对抗网络</a:t>
             </a:r>
             <a:endParaRPr lang="en-US" dirty="0"/>
           </a:p>
@@ -4309,23 +4306,17 @@
               <a:rPr lang="en-US" dirty="0">
                 <a:hlinkClick r:id="rId3"/>
               </a:rPr>
-              <a:t>Generative </a:t>
-            </a:r>
-            <a:r>
-              <a:rPr lang="en-US">
-                <a:hlinkClick r:id="rId3"/>
-              </a:rPr>
-              <a:t>Adversarial </a:t>
-            </a:r>
-            <a:r>
-              <a:rPr lang="en-US" smtClean="0">
+              <a:t>Generative Adversarial </a:t>
+            </a:r>
+            <a:r>
+              <a:rPr lang="en-US" dirty="0" smtClean="0">
                 <a:hlinkClick r:id="rId3"/>
               </a:rPr>
               <a:t>Networks</a:t>
             </a:r>
             <a:r>
-              <a:rPr lang="en-US" smtClean="0"/>
-              <a:t>by </a:t>
+              <a:rPr lang="en-US" dirty="0" smtClean="0"/>
+              <a:t> by </a:t>
             </a:r>
             <a:r>
               <a:rPr lang="en-US" dirty="0" err="1"/>
@@ -4333,8 +4324,30 @@
             </a:r>
             <a:r>
               <a:rPr lang="en-US" dirty="0"/>
-              <a:t> et al. 2014.</a:t>
-            </a:r>
+              <a:t> et al. 2014</a:t>
+            </a:r>
+            <a:r>
+              <a:rPr lang="en-US" dirty="0" smtClean="0"/>
+              <a:t>.</a:t>
+            </a:r>
+          </a:p>
+          <a:p>
+            <a:r>
+              <a:rPr lang="en-US" dirty="0">
+                <a:hlinkClick r:id="rId4"/>
+              </a:rPr>
+              <a:t>https://</a:t>
+            </a:r>
+            <a:r>
+              <a:rPr lang="en-US" dirty="0" smtClean="0">
+                <a:hlinkClick r:id="rId4"/>
+              </a:rPr>
+              <a:t>github.com/roatienza/Deep-Learning-Experiments/blob/master/Experiments/Tensorflow/GAN/dcgan_mnist.py</a:t>
+            </a:r>
+            <a:endParaRPr lang="en-US" dirty="0" smtClean="0"/>
+          </a:p>
+          <a:p>
+            <a:endParaRPr lang="en-US" dirty="0"/>
           </a:p>
           <a:p>
             <a:endParaRPr lang="en-US" dirty="0"/>

--- a/gan/GAN.pptx
+++ b/gan/GAN.pptx
@@ -5,13 +5,15 @@
     <p:sldMasterId id="2147483648" r:id="rId1"/>
   </p:sldMasterIdLst>
   <p:notesMasterIdLst>
-    <p:notesMasterId r:id="rId6"/>
+    <p:notesMasterId r:id="rId8"/>
   </p:notesMasterIdLst>
   <p:sldIdLst>
     <p:sldId id="256" r:id="rId2"/>
     <p:sldId id="257" r:id="rId3"/>
     <p:sldId id="259" r:id="rId4"/>
-    <p:sldId id="258" r:id="rId5"/>
+    <p:sldId id="261" r:id="rId5"/>
+    <p:sldId id="260" r:id="rId6"/>
+    <p:sldId id="258" r:id="rId7"/>
   </p:sldIdLst>
   <p:sldSz cx="12192000" cy="6858000"/>
   <p:notesSz cx="6858000" cy="9144000"/>
@@ -839,7 +841,142 @@
           <a:bodyPr/>
           <a:lstStyle/>
           <a:p>
-            <a:endParaRPr lang="en-US"/>
+            <a:r>
+              <a:rPr lang="en-US" altLang="zh-CN" dirty="0" smtClean="0"/>
+              <a:t>You basically</a:t>
+            </a:r>
+            <a:r>
+              <a:rPr lang="en-US" altLang="zh-CN" baseline="0" dirty="0" smtClean="0"/>
+              <a:t> use your training data from class A to build a model of class A. Separately, you build a model of class B, you build a model of class c, you build a model of class d.</a:t>
+            </a:r>
+          </a:p>
+          <a:p>
+            <a:r>
+              <a:rPr lang="en-US" baseline="0" dirty="0" smtClean="0"/>
+              <a:t>Then you are given a new example, you say well does model A explain it better, or model B, or model C. Whichever one explains it better, that’s my, that’s the one I pick.</a:t>
+            </a:r>
+          </a:p>
+          <a:p>
+            <a:r>
+              <a:rPr lang="en-US" baseline="0" dirty="0" smtClean="0"/>
+              <a:t>And it’s referred to as generative because the idea is that I have a model that describes sort of all the different possible things that would be of class A.  </a:t>
+            </a:r>
+            <a:r>
+              <a:rPr lang="zh-CN" altLang="en-US" baseline="0" dirty="0" smtClean="0"/>
+              <a:t>以至于我们可以据此生成</a:t>
+            </a:r>
+            <a:r>
+              <a:rPr lang="en-US" altLang="zh-CN" baseline="0" dirty="0" smtClean="0"/>
+              <a:t>class A </a:t>
+            </a:r>
+            <a:r>
+              <a:rPr lang="zh-CN" altLang="en-US" baseline="0" dirty="0" smtClean="0"/>
+              <a:t>的样本。</a:t>
+            </a:r>
+            <a:endParaRPr lang="en-US" altLang="zh-CN" baseline="0" dirty="0" smtClean="0"/>
+          </a:p>
+          <a:p>
+            <a:endParaRPr lang="en-US" altLang="zh-CN" baseline="0" dirty="0" smtClean="0"/>
+          </a:p>
+          <a:p>
+            <a:r>
+              <a:rPr lang="en-US" altLang="zh-CN" baseline="0" dirty="0" smtClean="0"/>
+              <a:t>Discriminative says, well here’s A, and here’s a bunch of things that are not A, and let me learn how to discriminate between them.</a:t>
+            </a:r>
+          </a:p>
+          <a:p>
+            <a:endParaRPr lang="en-US" altLang="zh-CN" baseline="0" dirty="0" smtClean="0"/>
+          </a:p>
+          <a:p>
+            <a:endParaRPr lang="en-US" altLang="zh-CN" baseline="0" dirty="0" smtClean="0"/>
+          </a:p>
+          <a:p>
+            <a:pPr marL="0" marR="0" lvl="0" indent="0" algn="l" defTabSz="914400" rtl="0" eaLnBrk="1" fontAlgn="auto" latinLnBrk="0" hangingPunct="1">
+              <a:lnSpc>
+                <a:spcPct val="100000"/>
+              </a:lnSpc>
+              <a:spcBef>
+                <a:spcPts val="0"/>
+              </a:spcBef>
+              <a:spcAft>
+                <a:spcPts val="0"/>
+              </a:spcAft>
+              <a:buClrTx/>
+              <a:buSzTx/>
+              <a:buFontTx/>
+              <a:buNone/>
+              <a:tabLst/>
+              <a:defRPr/>
+            </a:pPr>
+            <a:r>
+              <a:rPr lang="zh-CN" altLang="en-US" dirty="0" smtClean="0"/>
+              <a:t>生成模型：</a:t>
+            </a:r>
+            <a:r>
+              <a:rPr lang="en-US" altLang="zh-CN" dirty="0" smtClean="0"/>
+              <a:t>P(</a:t>
+            </a:r>
+            <a:r>
+              <a:rPr lang="en-US" altLang="zh-CN" dirty="0" err="1" smtClean="0"/>
+              <a:t>y|x</a:t>
+            </a:r>
+            <a:r>
+              <a:rPr lang="en-US" altLang="zh-CN" dirty="0" smtClean="0"/>
+              <a:t>) = P(</a:t>
+            </a:r>
+            <a:r>
+              <a:rPr lang="en-US" altLang="zh-CN" dirty="0" err="1" smtClean="0"/>
+              <a:t>x,y</a:t>
+            </a:r>
+            <a:r>
+              <a:rPr lang="en-US" altLang="zh-CN" dirty="0" smtClean="0"/>
+              <a:t>)/P(x)</a:t>
+            </a:r>
+            <a:endParaRPr lang="en-US" dirty="0" smtClean="0"/>
+          </a:p>
+          <a:p>
+            <a:pPr marL="0" marR="0" lvl="0" indent="0" algn="l" defTabSz="914400" rtl="0" eaLnBrk="1" fontAlgn="auto" latinLnBrk="0" hangingPunct="1">
+              <a:lnSpc>
+                <a:spcPct val="100000"/>
+              </a:lnSpc>
+              <a:spcBef>
+                <a:spcPts val="0"/>
+              </a:spcBef>
+              <a:spcAft>
+                <a:spcPts val="0"/>
+              </a:spcAft>
+              <a:buClrTx/>
+              <a:buSzTx/>
+              <a:buFontTx/>
+              <a:buNone/>
+              <a:tabLst/>
+              <a:defRPr/>
+            </a:pPr>
+            <a:endParaRPr lang="en-US" altLang="zh-CN" dirty="0" smtClean="0"/>
+          </a:p>
+          <a:p>
+            <a:endParaRPr lang="en-US" altLang="zh-CN" baseline="0" dirty="0" smtClean="0"/>
+          </a:p>
+          <a:p>
+            <a:endParaRPr lang="en-US" altLang="zh-CN" baseline="0" dirty="0" smtClean="0"/>
+          </a:p>
+          <a:p>
+            <a:endParaRPr lang="en-US" altLang="zh-CN" baseline="0" dirty="0" smtClean="0"/>
+          </a:p>
+          <a:p>
+            <a:endParaRPr lang="en-US" altLang="zh-CN" baseline="0" dirty="0" smtClean="0"/>
+          </a:p>
+          <a:p>
+            <a:endParaRPr lang="en-US" baseline="0" dirty="0" smtClean="0"/>
+          </a:p>
+          <a:p>
+            <a:endParaRPr lang="en-US" baseline="0" dirty="0" smtClean="0"/>
+          </a:p>
+          <a:p>
+            <a:endParaRPr lang="en-US" baseline="0" dirty="0" smtClean="0"/>
+          </a:p>
+          <a:p>
+            <a:endParaRPr lang="en-US" dirty="0"/>
           </a:p>
         </p:txBody>
       </p:sp>
@@ -945,6 +1082,174 @@
             <a:fld id="{14E3600C-9E55-46EC-B1CF-DF787412DA6B}" type="slidenum">
               <a:rPr lang="en-US" smtClean="0"/>
               <a:t>4</a:t>
+            </a:fld>
+            <a:endParaRPr lang="en-US"/>
+          </a:p>
+        </p:txBody>
+      </p:sp>
+    </p:spTree>
+    <p:extLst>
+      <p:ext uri="{BB962C8B-B14F-4D97-AF65-F5344CB8AC3E}">
+        <p14:creationId xmlns:p14="http://schemas.microsoft.com/office/powerpoint/2010/main" val="102789914"/>
+      </p:ext>
+    </p:extLst>
+  </p:cSld>
+  <p:clrMapOvr>
+    <a:masterClrMapping/>
+  </p:clrMapOvr>
+</p:notes>
+</file>
+
+<file path=ppt/notesSlides/notesSlide5.xml><?xml version="1.0" encoding="utf-8"?>
+<p:notes xmlns:a="http://schemas.openxmlformats.org/drawingml/2006/main" xmlns:r="http://schemas.openxmlformats.org/officeDocument/2006/relationships" xmlns:p="http://schemas.openxmlformats.org/presentationml/2006/main">
+  <p:cSld>
+    <p:spTree>
+      <p:nvGrpSpPr>
+        <p:cNvPr id="1" name=""/>
+        <p:cNvGrpSpPr/>
+        <p:nvPr/>
+      </p:nvGrpSpPr>
+      <p:grpSpPr>
+        <a:xfrm>
+          <a:off x="0" y="0"/>
+          <a:ext cx="0" cy="0"/>
+          <a:chOff x="0" y="0"/>
+          <a:chExt cx="0" cy="0"/>
+        </a:xfrm>
+      </p:grpSpPr>
+      <p:sp>
+        <p:nvSpPr>
+          <p:cNvPr id="2" name="Slide Image Placeholder 1"/>
+          <p:cNvSpPr>
+            <a:spLocks noGrp="1" noRot="1" noChangeAspect="1"/>
+          </p:cNvSpPr>
+          <p:nvPr>
+            <p:ph type="sldImg"/>
+          </p:nvPr>
+        </p:nvSpPr>
+        <p:spPr/>
+      </p:sp>
+      <p:sp>
+        <p:nvSpPr>
+          <p:cNvPr id="3" name="Notes Placeholder 2"/>
+          <p:cNvSpPr>
+            <a:spLocks noGrp="1"/>
+          </p:cNvSpPr>
+          <p:nvPr>
+            <p:ph type="body" idx="1"/>
+          </p:nvPr>
+        </p:nvSpPr>
+        <p:spPr/>
+        <p:txBody>
+          <a:bodyPr/>
+          <a:lstStyle/>
+          <a:p>
+            <a:endParaRPr lang="en-US"/>
+          </a:p>
+        </p:txBody>
+      </p:sp>
+      <p:sp>
+        <p:nvSpPr>
+          <p:cNvPr id="4" name="Slide Number Placeholder 3"/>
+          <p:cNvSpPr>
+            <a:spLocks noGrp="1"/>
+          </p:cNvSpPr>
+          <p:nvPr>
+            <p:ph type="sldNum" sz="quarter" idx="10"/>
+          </p:nvPr>
+        </p:nvSpPr>
+        <p:spPr/>
+        <p:txBody>
+          <a:bodyPr/>
+          <a:lstStyle/>
+          <a:p>
+            <a:fld id="{14E3600C-9E55-46EC-B1CF-DF787412DA6B}" type="slidenum">
+              <a:rPr lang="en-US" smtClean="0"/>
+              <a:t>5</a:t>
+            </a:fld>
+            <a:endParaRPr lang="en-US"/>
+          </a:p>
+        </p:txBody>
+      </p:sp>
+    </p:spTree>
+    <p:extLst>
+      <p:ext uri="{BB962C8B-B14F-4D97-AF65-F5344CB8AC3E}">
+        <p14:creationId xmlns:p14="http://schemas.microsoft.com/office/powerpoint/2010/main" val="3915207275"/>
+      </p:ext>
+    </p:extLst>
+  </p:cSld>
+  <p:clrMapOvr>
+    <a:masterClrMapping/>
+  </p:clrMapOvr>
+</p:notes>
+</file>
+
+<file path=ppt/notesSlides/notesSlide6.xml><?xml version="1.0" encoding="utf-8"?>
+<p:notes xmlns:a="http://schemas.openxmlformats.org/drawingml/2006/main" xmlns:r="http://schemas.openxmlformats.org/officeDocument/2006/relationships" xmlns:p="http://schemas.openxmlformats.org/presentationml/2006/main">
+  <p:cSld>
+    <p:spTree>
+      <p:nvGrpSpPr>
+        <p:cNvPr id="1" name=""/>
+        <p:cNvGrpSpPr/>
+        <p:nvPr/>
+      </p:nvGrpSpPr>
+      <p:grpSpPr>
+        <a:xfrm>
+          <a:off x="0" y="0"/>
+          <a:ext cx="0" cy="0"/>
+          <a:chOff x="0" y="0"/>
+          <a:chExt cx="0" cy="0"/>
+        </a:xfrm>
+      </p:grpSpPr>
+      <p:sp>
+        <p:nvSpPr>
+          <p:cNvPr id="2" name="Slide Image Placeholder 1"/>
+          <p:cNvSpPr>
+            <a:spLocks noGrp="1" noRot="1" noChangeAspect="1"/>
+          </p:cNvSpPr>
+          <p:nvPr>
+            <p:ph type="sldImg"/>
+          </p:nvPr>
+        </p:nvSpPr>
+        <p:spPr/>
+      </p:sp>
+      <p:sp>
+        <p:nvSpPr>
+          <p:cNvPr id="3" name="Notes Placeholder 2"/>
+          <p:cNvSpPr>
+            <a:spLocks noGrp="1"/>
+          </p:cNvSpPr>
+          <p:nvPr>
+            <p:ph type="body" idx="1"/>
+          </p:nvPr>
+        </p:nvSpPr>
+        <p:spPr/>
+        <p:txBody>
+          <a:bodyPr/>
+          <a:lstStyle/>
+          <a:p>
+            <a:endParaRPr lang="en-US"/>
+          </a:p>
+        </p:txBody>
+      </p:sp>
+      <p:sp>
+        <p:nvSpPr>
+          <p:cNvPr id="4" name="Slide Number Placeholder 3"/>
+          <p:cNvSpPr>
+            <a:spLocks noGrp="1"/>
+          </p:cNvSpPr>
+          <p:nvPr>
+            <p:ph type="sldNum" sz="quarter" idx="10"/>
+          </p:nvPr>
+        </p:nvSpPr>
+        <p:spPr/>
+        <p:txBody>
+          <a:bodyPr/>
+          <a:lstStyle/>
+          <a:p>
+            <a:fld id="{14E3600C-9E55-46EC-B1CF-DF787412DA6B}" type="slidenum">
+              <a:rPr lang="en-US" smtClean="0"/>
+              <a:t>6</a:t>
             </a:fld>
             <a:endParaRPr lang="en-US"/>
           </a:p>
@@ -3866,6 +4171,151 @@
           </a:p>
         </p:txBody>
       </p:sp>
+      <p:pic>
+        <p:nvPicPr>
+          <p:cNvPr id="4" name="Picture 3"/>
+          <p:cNvPicPr>
+            <a:picLocks noChangeAspect="1"/>
+          </p:cNvPicPr>
+          <p:nvPr/>
+        </p:nvPicPr>
+        <p:blipFill>
+          <a:blip r:embed="rId3"/>
+          <a:stretch>
+            <a:fillRect/>
+          </a:stretch>
+        </p:blipFill>
+        <p:spPr>
+          <a:xfrm>
+            <a:off x="952500" y="4429919"/>
+            <a:ext cx="7505700" cy="2195513"/>
+          </a:xfrm>
+          <a:prstGeom prst="rect">
+            <a:avLst/>
+          </a:prstGeom>
+        </p:spPr>
+      </p:pic>
+      <p:sp>
+        <p:nvSpPr>
+          <p:cNvPr id="5" name="Rectangle 4"/>
+          <p:cNvSpPr/>
+          <p:nvPr/>
+        </p:nvSpPr>
+        <p:spPr>
+          <a:xfrm>
+            <a:off x="10277474" y="6176962"/>
+            <a:ext cx="1914525" cy="646331"/>
+          </a:xfrm>
+          <a:prstGeom prst="rect">
+            <a:avLst/>
+          </a:prstGeom>
+        </p:spPr>
+        <p:txBody>
+          <a:bodyPr wrap="square">
+            <a:spAutoFit/>
+          </a:bodyPr>
+          <a:lstStyle/>
+          <a:p>
+            <a:pPr algn="r"/>
+            <a:r>
+              <a:rPr lang="en-US" altLang="zh-CN" dirty="0" err="1">
+                <a:solidFill>
+                  <a:schemeClr val="tx1">
+                    <a:lumMod val="65000"/>
+                    <a:lumOff val="35000"/>
+                  </a:schemeClr>
+                </a:solidFill>
+              </a:rPr>
+              <a:t>BingAds</a:t>
+            </a:r>
+            <a:r>
+              <a:rPr lang="en-US" altLang="zh-CN" dirty="0">
+                <a:solidFill>
+                  <a:schemeClr val="tx1">
+                    <a:lumMod val="65000"/>
+                    <a:lumOff val="35000"/>
+                  </a:schemeClr>
+                </a:solidFill>
+              </a:rPr>
+              <a:t> </a:t>
+            </a:r>
+            <a:r>
+              <a:rPr lang="zh-CN" altLang="en-US" dirty="0" smtClean="0">
+                <a:solidFill>
+                  <a:schemeClr val="tx1">
+                    <a:lumMod val="65000"/>
+                    <a:lumOff val="35000"/>
+                  </a:schemeClr>
+                </a:solidFill>
+              </a:rPr>
+              <a:t>内</a:t>
+            </a:r>
+            <a:r>
+              <a:rPr lang="zh-CN" altLang="en-US" dirty="0">
+                <a:solidFill>
+                  <a:schemeClr val="tx1">
+                    <a:lumMod val="65000"/>
+                    <a:lumOff val="35000"/>
+                  </a:schemeClr>
+                </a:solidFill>
+              </a:rPr>
+              <a:t>部分享</a:t>
+            </a:r>
+            <a:endParaRPr lang="en-US" altLang="zh-CN" dirty="0">
+              <a:solidFill>
+                <a:schemeClr val="tx1">
+                  <a:lumMod val="65000"/>
+                  <a:lumOff val="35000"/>
+                </a:schemeClr>
+              </a:solidFill>
+            </a:endParaRPr>
+          </a:p>
+          <a:p>
+            <a:pPr algn="r"/>
+            <a:r>
+              <a:rPr lang="zh-CN" altLang="en-US" dirty="0">
+                <a:solidFill>
+                  <a:schemeClr val="tx1">
+                    <a:lumMod val="65000"/>
+                    <a:lumOff val="35000"/>
+                  </a:schemeClr>
+                </a:solidFill>
+              </a:rPr>
+              <a:t>刘杨</a:t>
+            </a:r>
+            <a:r>
+              <a:rPr lang="en-US" altLang="zh-CN" dirty="0">
+                <a:solidFill>
+                  <a:schemeClr val="tx1">
+                    <a:lumMod val="65000"/>
+                    <a:lumOff val="35000"/>
+                  </a:schemeClr>
+                </a:solidFill>
+              </a:rPr>
+              <a:t> </a:t>
+            </a:r>
+            <a:r>
+              <a:rPr lang="en-US" dirty="0" smtClean="0">
+                <a:solidFill>
+                  <a:schemeClr val="tx1">
+                    <a:lumMod val="65000"/>
+                    <a:lumOff val="35000"/>
+                  </a:schemeClr>
+                </a:solidFill>
+              </a:rPr>
+              <a:t>2017/12/29</a:t>
+            </a:r>
+            <a:endParaRPr lang="en-US" dirty="0">
+              <a:solidFill>
+                <a:schemeClr val="tx1">
+                  <a:lumMod val="65000"/>
+                  <a:lumOff val="35000"/>
+                </a:schemeClr>
+              </a:solidFill>
+            </a:endParaRPr>
+          </a:p>
+        </p:txBody>
+      </p:sp>
     </p:spTree>
     <p:extLst>
       <p:ext uri="{BB962C8B-B14F-4D97-AF65-F5344CB8AC3E}">
@@ -3876,6 +4326,13 @@
   <p:clrMapOvr>
     <a:masterClrMapping/>
   </p:clrMapOvr>
+  <p:timing>
+    <p:tnLst>
+      <p:par>
+        <p:cTn id="1" dur="indefinite" restart="never" nodeType="tmRoot"/>
+      </p:par>
+    </p:tnLst>
+  </p:timing>
 </p:sld>
 </file>
 
@@ -4128,6 +4585,68 @@
           </a:p>
         </p:txBody>
       </p:sp>
+      <p:pic>
+        <p:nvPicPr>
+          <p:cNvPr id="5" name="Picture 4"/>
+          <p:cNvPicPr>
+            <a:picLocks noChangeAspect="1"/>
+          </p:cNvPicPr>
+          <p:nvPr/>
+        </p:nvPicPr>
+        <p:blipFill>
+          <a:blip r:embed="rId3"/>
+          <a:stretch>
+            <a:fillRect/>
+          </a:stretch>
+        </p:blipFill>
+        <p:spPr>
+          <a:xfrm>
+            <a:off x="9620250" y="365125"/>
+            <a:ext cx="1733550" cy="1724025"/>
+          </a:xfrm>
+          <a:prstGeom prst="rect">
+            <a:avLst/>
+          </a:prstGeom>
+        </p:spPr>
+      </p:pic>
+      <p:sp>
+        <p:nvSpPr>
+          <p:cNvPr id="6" name="TextBox 5"/>
+          <p:cNvSpPr txBox="1"/>
+          <p:nvPr/>
+        </p:nvSpPr>
+        <p:spPr>
+          <a:xfrm>
+            <a:off x="9742718" y="2089150"/>
+            <a:ext cx="1611082" cy="369332"/>
+          </a:xfrm>
+          <a:prstGeom prst="rect">
+            <a:avLst/>
+          </a:prstGeom>
+          <a:noFill/>
+        </p:spPr>
+        <p:txBody>
+          <a:bodyPr wrap="none" rtlCol="0">
+            <a:spAutoFit/>
+          </a:bodyPr>
+          <a:lstStyle/>
+          <a:p>
+            <a:r>
+              <a:rPr lang="en-US" dirty="0">
+                <a:hlinkClick r:id="rId4"/>
+              </a:rPr>
+              <a:t>Ian </a:t>
+            </a:r>
+            <a:r>
+              <a:rPr lang="en-US" dirty="0" err="1">
+                <a:hlinkClick r:id="rId4"/>
+              </a:rPr>
+              <a:t>Goodfellow</a:t>
+            </a:r>
+            <a:endParaRPr lang="en-US" dirty="0"/>
+          </a:p>
+        </p:txBody>
+      </p:sp>
     </p:spTree>
     <p:extLst>
       <p:ext uri="{BB962C8B-B14F-4D97-AF65-F5344CB8AC3E}">
@@ -4138,6 +4657,13 @@
   <p:clrMapOvr>
     <a:masterClrMapping/>
   </p:clrMapOvr>
+  <p:timing>
+    <p:tnLst>
+      <p:par>
+        <p:cTn id="1" dur="indefinite" restart="never" nodeType="tmRoot"/>
+      </p:par>
+    </p:tnLst>
+  </p:timing>
 </p:sld>
 </file>
 
@@ -4226,10 +4752,493 @@
           <a:bodyPr/>
           <a:lstStyle/>
           <a:p>
+            <a:r>
+              <a:rPr lang="zh-CN" altLang="en-US" dirty="0"/>
+              <a:t>有监督机器学</a:t>
+            </a:r>
+            <a:r>
+              <a:rPr lang="zh-CN" altLang="en-US" dirty="0" smtClean="0"/>
+              <a:t>习的两个策略：生</a:t>
+            </a:r>
+            <a:r>
+              <a:rPr lang="zh-CN" altLang="en-US" dirty="0"/>
+              <a:t>成方法和判别方</a:t>
+            </a:r>
+            <a:r>
+              <a:rPr lang="zh-CN" altLang="en-US" dirty="0" smtClean="0"/>
+              <a:t>法</a:t>
+            </a:r>
+            <a:endParaRPr lang="en-US" altLang="zh-CN" dirty="0" smtClean="0"/>
+          </a:p>
+          <a:p>
+            <a:pPr lvl="1"/>
+            <a:r>
+              <a:rPr lang="zh-CN" altLang="en-US" dirty="0"/>
+              <a:t>生成方</a:t>
+            </a:r>
+            <a:r>
+              <a:rPr lang="zh-CN" altLang="en-US" dirty="0" smtClean="0"/>
+              <a:t>法：用训练数据构建</a:t>
+            </a:r>
+            <a:r>
+              <a:rPr lang="zh-CN" altLang="en-US" dirty="0" smtClean="0">
+                <a:solidFill>
+                  <a:srgbClr val="FF0000"/>
+                </a:solidFill>
+              </a:rPr>
+              <a:t>表示</a:t>
+            </a:r>
+            <a:r>
+              <a:rPr lang="zh-CN" altLang="en-US" dirty="0" smtClean="0"/>
+              <a:t>概率</a:t>
+            </a:r>
+            <a:r>
+              <a:rPr lang="zh-CN" altLang="en-US" dirty="0" smtClean="0">
+                <a:solidFill>
+                  <a:srgbClr val="FF0000"/>
+                </a:solidFill>
+              </a:rPr>
+              <a:t>模型</a:t>
+            </a:r>
+            <a:r>
+              <a:rPr lang="zh-CN" altLang="en-US" dirty="0" smtClean="0"/>
+              <a:t>，专注同类数据内在关联。</a:t>
+            </a:r>
+            <a:endParaRPr lang="en-US" altLang="zh-CN" dirty="0" smtClean="0"/>
+          </a:p>
+          <a:p>
+            <a:pPr lvl="2"/>
+            <a:r>
+              <a:rPr lang="zh-CN" altLang="en-US" dirty="0" smtClean="0"/>
+              <a:t>常见生</a:t>
+            </a:r>
+            <a:r>
+              <a:rPr lang="zh-CN" altLang="en-US" dirty="0"/>
+              <a:t>成方</a:t>
+            </a:r>
+            <a:r>
+              <a:rPr lang="zh-CN" altLang="en-US" dirty="0" smtClean="0"/>
+              <a:t>法</a:t>
+            </a:r>
+            <a:r>
+              <a:rPr lang="zh-CN" altLang="en-US" dirty="0"/>
+              <a:t>：</a:t>
+            </a:r>
+            <a:r>
+              <a:rPr lang="zh-CN" altLang="en-US" dirty="0" smtClean="0"/>
+              <a:t>混</a:t>
+            </a:r>
+            <a:r>
+              <a:rPr lang="zh-CN" altLang="en-US" dirty="0"/>
+              <a:t>合高斯模型、朴素贝叶斯法和隐形马尔科夫模型</a:t>
+            </a:r>
+            <a:r>
+              <a:rPr lang="zh-CN" altLang="en-US" dirty="0" smtClean="0"/>
+              <a:t>等</a:t>
+            </a:r>
+            <a:endParaRPr lang="en-US" altLang="zh-CN" dirty="0" smtClean="0"/>
+          </a:p>
+          <a:p>
+            <a:pPr lvl="1"/>
+            <a:r>
+              <a:rPr lang="zh-CN" altLang="en-US" dirty="0"/>
+              <a:t>判别方</a:t>
+            </a:r>
+            <a:r>
+              <a:rPr lang="zh-CN" altLang="en-US" dirty="0" smtClean="0"/>
+              <a:t>法：构建不同类型样本间的决策</a:t>
+            </a:r>
+            <a:r>
+              <a:rPr lang="zh-CN" altLang="en-US" dirty="0" smtClean="0">
+                <a:solidFill>
+                  <a:srgbClr val="FF0000"/>
+                </a:solidFill>
+              </a:rPr>
+              <a:t>边界</a:t>
+            </a:r>
+            <a:endParaRPr lang="en-US" altLang="zh-CN" dirty="0" smtClean="0">
+              <a:solidFill>
+                <a:srgbClr val="FF0000"/>
+              </a:solidFill>
+            </a:endParaRPr>
+          </a:p>
+          <a:p>
+            <a:pPr lvl="2"/>
+            <a:r>
+              <a:rPr lang="zh-CN" altLang="en-US" dirty="0" smtClean="0"/>
+              <a:t>常见</a:t>
+            </a:r>
+            <a:r>
+              <a:rPr lang="zh-CN" altLang="en-US" dirty="0"/>
+              <a:t>判</a:t>
+            </a:r>
+            <a:r>
+              <a:rPr lang="zh-CN" altLang="en-US" dirty="0" smtClean="0"/>
+              <a:t>别</a:t>
+            </a:r>
+            <a:r>
+              <a:rPr lang="zh-CN" altLang="en-US" dirty="0"/>
+              <a:t>方法</a:t>
+            </a:r>
+            <a:r>
+              <a:rPr lang="zh-CN" altLang="en-US" dirty="0" smtClean="0"/>
+              <a:t>：</a:t>
+            </a:r>
+            <a:r>
+              <a:rPr lang="en-US" altLang="zh-CN" dirty="0"/>
+              <a:t> SVM</a:t>
+            </a:r>
+            <a:r>
+              <a:rPr lang="zh-CN" altLang="en-US" dirty="0"/>
+              <a:t>、</a:t>
+            </a:r>
+            <a:r>
+              <a:rPr lang="en-US" altLang="zh-CN" dirty="0" smtClean="0"/>
+              <a:t>LR</a:t>
+            </a:r>
+            <a:r>
+              <a:rPr lang="zh-CN" altLang="en-US" dirty="0"/>
+              <a:t> </a:t>
+            </a:r>
+            <a:r>
+              <a:rPr lang="zh-CN" altLang="en-US" dirty="0" smtClean="0"/>
+              <a:t>、</a:t>
+            </a:r>
+            <a:r>
+              <a:rPr lang="en-US" altLang="zh-CN" dirty="0" smtClean="0"/>
+              <a:t>Boosting</a:t>
+            </a:r>
+            <a:r>
+              <a:rPr lang="zh-CN" altLang="en-US" dirty="0"/>
+              <a:t> </a:t>
+            </a:r>
+            <a:r>
+              <a:rPr lang="zh-CN" altLang="en-US" dirty="0" smtClean="0"/>
+              <a:t>、神经网络等</a:t>
+            </a:r>
+            <a:endParaRPr lang="en-US" altLang="zh-CN" dirty="0" smtClean="0"/>
+          </a:p>
+          <a:p>
+            <a:r>
+              <a:rPr lang="zh-CN" altLang="en-US" dirty="0" smtClean="0"/>
+              <a:t>生</a:t>
+            </a:r>
+            <a:r>
+              <a:rPr lang="zh-CN" altLang="en-US" dirty="0"/>
+              <a:t>成方法学习出的是生成模型，判别方法学习出的是判别模型。</a:t>
+            </a:r>
+          </a:p>
+          <a:p>
+            <a:pPr marL="0" indent="0">
+              <a:buNone/>
+            </a:pPr>
+            <a:endParaRPr lang="zh-CN" altLang="en-US" dirty="0"/>
+          </a:p>
+          <a:p>
+            <a:pPr marL="0" indent="0">
+              <a:buNone/>
+            </a:pPr>
             <a:endParaRPr lang="en-US" dirty="0"/>
           </a:p>
         </p:txBody>
       </p:sp>
+      <p:graphicFrame>
+        <p:nvGraphicFramePr>
+          <p:cNvPr id="4" name="Table 3"/>
+          <p:cNvGraphicFramePr>
+            <a:graphicFrameLocks noGrp="1"/>
+          </p:cNvGraphicFramePr>
+          <p:nvPr>
+            <p:extLst>
+              <p:ext uri="{D42A27DB-BD31-4B8C-83A1-F6EECF244321}">
+                <p14:modId xmlns:p14="http://schemas.microsoft.com/office/powerpoint/2010/main" val="595500245"/>
+              </p:ext>
+            </p:extLst>
+          </p:nvPr>
+        </p:nvGraphicFramePr>
+        <p:xfrm>
+          <a:off x="993775" y="4405841"/>
+          <a:ext cx="10493376" cy="2145595"/>
+        </p:xfrm>
+        <a:graphic>
+          <a:graphicData uri="http://schemas.openxmlformats.org/drawingml/2006/table">
+            <a:tbl>
+              <a:tblPr firstRow="1" bandRow="1">
+                <a:tableStyleId>{5C22544A-7EE6-4342-B048-85BDC9FD1C3A}</a:tableStyleId>
+              </a:tblPr>
+              <a:tblGrid>
+                <a:gridCol w="1254125">
+                  <a:extLst>
+                    <a:ext uri="{9D8B030D-6E8A-4147-A177-3AD203B41FA5}">
+                      <a16:colId xmlns:a16="http://schemas.microsoft.com/office/drawing/2014/main" val="2190209834"/>
+                    </a:ext>
+                  </a:extLst>
+                </a:gridCol>
+                <a:gridCol w="4295775">
+                  <a:extLst>
+                    <a:ext uri="{9D8B030D-6E8A-4147-A177-3AD203B41FA5}">
+                      <a16:colId xmlns:a16="http://schemas.microsoft.com/office/drawing/2014/main" val="1825446451"/>
+                    </a:ext>
+                  </a:extLst>
+                </a:gridCol>
+                <a:gridCol w="4943476">
+                  <a:extLst>
+                    <a:ext uri="{9D8B030D-6E8A-4147-A177-3AD203B41FA5}">
+                      <a16:colId xmlns:a16="http://schemas.microsoft.com/office/drawing/2014/main" val="2346458833"/>
+                    </a:ext>
+                  </a:extLst>
+                </a:gridCol>
+              </a:tblGrid>
+              <a:tr h="499534">
+                <a:tc>
+                  <a:txBody>
+                    <a:bodyPr/>
+                    <a:lstStyle/>
+                    <a:p>
+                      <a:endParaRPr lang="en-US" dirty="0"/>
+                    </a:p>
+                  </a:txBody>
+                  <a:tcPr/>
+                </a:tc>
+                <a:tc>
+                  <a:txBody>
+                    <a:bodyPr/>
+                    <a:lstStyle/>
+                    <a:p>
+                      <a:r>
+                        <a:rPr lang="zh-CN" altLang="en-US" dirty="0" smtClean="0"/>
+                        <a:t>优点</a:t>
+                      </a:r>
+                      <a:endParaRPr lang="en-US" dirty="0"/>
+                    </a:p>
+                  </a:txBody>
+                  <a:tcPr/>
+                </a:tc>
+                <a:tc>
+                  <a:txBody>
+                    <a:bodyPr/>
+                    <a:lstStyle/>
+                    <a:p>
+                      <a:r>
+                        <a:rPr lang="zh-CN" altLang="en-US" dirty="0" smtClean="0"/>
+                        <a:t>缺点</a:t>
+                      </a:r>
+                      <a:endParaRPr lang="en-US" dirty="0"/>
+                    </a:p>
+                  </a:txBody>
+                  <a:tcPr/>
+                </a:tc>
+                <a:extLst>
+                  <a:ext uri="{0D108BD9-81ED-4DB2-BD59-A6C34878D82A}">
+                    <a16:rowId xmlns:a16="http://schemas.microsoft.com/office/drawing/2014/main" val="1547559695"/>
+                  </a:ext>
+                </a:extLst>
+              </a:tr>
+              <a:tr h="731661">
+                <a:tc>
+                  <a:txBody>
+                    <a:bodyPr/>
+                    <a:lstStyle/>
+                    <a:p>
+                      <a:r>
+                        <a:rPr lang="zh-CN" altLang="en-US" dirty="0" smtClean="0"/>
+                        <a:t>生成模型</a:t>
+                      </a:r>
+                      <a:endParaRPr lang="en-US" altLang="zh-CN" dirty="0" smtClean="0"/>
+                    </a:p>
+                    <a:p>
+                      <a:r>
+                        <a:rPr lang="en-US" dirty="0" smtClean="0"/>
+                        <a:t>P(y, x)</a:t>
+                      </a:r>
+                      <a:endParaRPr lang="en-US" dirty="0"/>
+                    </a:p>
+                  </a:txBody>
+                  <a:tcPr/>
+                </a:tc>
+                <a:tc>
+                  <a:txBody>
+                    <a:bodyPr/>
+                    <a:lstStyle/>
+                    <a:p>
+                      <a:r>
+                        <a:rPr lang="zh-CN" altLang="en-US" dirty="0" smtClean="0"/>
+                        <a:t>根据联合概率可生成数据</a:t>
+                      </a:r>
+                      <a:endParaRPr lang="en-US" altLang="zh-CN" dirty="0" smtClean="0"/>
+                    </a:p>
+                    <a:p>
+                      <a:r>
+                        <a:rPr lang="zh-CN" altLang="en-US" dirty="0" smtClean="0"/>
+                        <a:t>增量学习：加一类不影响已有模型</a:t>
+                      </a:r>
+                      <a:endParaRPr lang="en-US" altLang="zh-CN" dirty="0" smtClean="0"/>
+                    </a:p>
+                  </a:txBody>
+                  <a:tcPr/>
+                </a:tc>
+                <a:tc>
+                  <a:txBody>
+                    <a:bodyPr/>
+                    <a:lstStyle/>
+                    <a:p>
+                      <a:r>
+                        <a:rPr lang="zh-CN" altLang="en-US" dirty="0" smtClean="0"/>
+                        <a:t>不适合高纬度、大</a:t>
+                      </a:r>
+                      <a:r>
+                        <a:rPr lang="zh-CN" altLang="en-US" dirty="0" smtClean="0"/>
+                        <a:t>量</a:t>
+                      </a:r>
+                      <a:r>
+                        <a:rPr lang="zh-CN" altLang="en-US" dirty="0" smtClean="0"/>
+                        <a:t>数据</a:t>
+                      </a:r>
+                      <a:endParaRPr lang="en-US" altLang="zh-CN" dirty="0" smtClean="0"/>
+                    </a:p>
+                    <a:p>
+                      <a:pPr marL="0" marR="0" lvl="0" indent="0" algn="l" defTabSz="914400" rtl="0" eaLnBrk="1" fontAlgn="auto" latinLnBrk="0" hangingPunct="1">
+                        <a:lnSpc>
+                          <a:spcPct val="100000"/>
+                        </a:lnSpc>
+                        <a:spcBef>
+                          <a:spcPts val="0"/>
+                        </a:spcBef>
+                        <a:spcAft>
+                          <a:spcPts val="0"/>
+                        </a:spcAft>
+                        <a:buClrTx/>
+                        <a:buSzTx/>
+                        <a:buFontTx/>
+                        <a:buNone/>
+                        <a:tabLst/>
+                        <a:defRPr/>
+                      </a:pPr>
+                      <a:r>
+                        <a:rPr lang="zh-CN" altLang="en-US" dirty="0" smtClean="0"/>
+                        <a:t>浪费计算资源、需要更多训练样本</a:t>
+                      </a:r>
+                      <a:endParaRPr lang="en-US" altLang="zh-CN" dirty="0" smtClean="0"/>
+                    </a:p>
+                    <a:p>
+                      <a:pPr marL="0" marR="0" lvl="0" indent="0" algn="l" defTabSz="914400" rtl="0" eaLnBrk="1" fontAlgn="auto" latinLnBrk="0" hangingPunct="1">
+                        <a:lnSpc>
+                          <a:spcPct val="100000"/>
+                        </a:lnSpc>
+                        <a:spcBef>
+                          <a:spcPts val="0"/>
+                        </a:spcBef>
+                        <a:spcAft>
+                          <a:spcPts val="0"/>
+                        </a:spcAft>
+                        <a:buClrTx/>
+                        <a:buSzTx/>
+                        <a:buFontTx/>
+                        <a:buNone/>
+                        <a:tabLst/>
+                        <a:defRPr/>
+                      </a:pPr>
+                      <a:r>
+                        <a:rPr lang="zh-CN" altLang="en-US" dirty="0" smtClean="0"/>
+                        <a:t>更适用于无监督的任务</a:t>
+                      </a:r>
+                      <a:endParaRPr lang="en-US" dirty="0" smtClean="0"/>
+                    </a:p>
+                  </a:txBody>
+                  <a:tcPr/>
+                </a:tc>
+                <a:extLst>
+                  <a:ext uri="{0D108BD9-81ED-4DB2-BD59-A6C34878D82A}">
+                    <a16:rowId xmlns:a16="http://schemas.microsoft.com/office/drawing/2014/main" val="764130730"/>
+                  </a:ext>
+                </a:extLst>
+              </a:tr>
+              <a:tr h="731661">
+                <a:tc>
+                  <a:txBody>
+                    <a:bodyPr/>
+                    <a:lstStyle/>
+                    <a:p>
+                      <a:r>
+                        <a:rPr lang="zh-CN" altLang="en-US" dirty="0" smtClean="0"/>
+                        <a:t>判别模型</a:t>
+                      </a:r>
+                      <a:endParaRPr lang="en-US" altLang="zh-CN" dirty="0" smtClean="0"/>
+                    </a:p>
+                    <a:p>
+                      <a:r>
+                        <a:rPr lang="en-US" dirty="0" smtClean="0"/>
+                        <a:t>P(</a:t>
+                      </a:r>
+                      <a:r>
+                        <a:rPr lang="en-US" dirty="0" err="1" smtClean="0"/>
+                        <a:t>y|x</a:t>
+                      </a:r>
+                      <a:r>
+                        <a:rPr lang="en-US" dirty="0" smtClean="0"/>
+                        <a:t>)</a:t>
+                      </a:r>
+                      <a:endParaRPr lang="en-US" dirty="0"/>
+                    </a:p>
+                  </a:txBody>
+                  <a:tcPr/>
+                </a:tc>
+                <a:tc>
+                  <a:txBody>
+                    <a:bodyPr/>
+                    <a:lstStyle/>
+                    <a:p>
+                      <a:r>
+                        <a:rPr lang="zh-CN" altLang="en-US" dirty="0" smtClean="0"/>
+                        <a:t>能处理高维大量数据样本</a:t>
+                      </a:r>
+                      <a:endParaRPr lang="en-US" altLang="zh-CN" dirty="0" smtClean="0"/>
+                    </a:p>
+                    <a:p>
+                      <a:r>
+                        <a:rPr lang="zh-CN" altLang="en-US" dirty="0" smtClean="0"/>
+                        <a:t>准确率往往较生成模型高</a:t>
+                      </a:r>
+                      <a:endParaRPr lang="en-US" dirty="0"/>
+                    </a:p>
+                  </a:txBody>
+                  <a:tcPr/>
+                </a:tc>
+                <a:tc>
+                  <a:txBody>
+                    <a:bodyPr/>
+                    <a:lstStyle/>
+                    <a:p>
+                      <a:r>
+                        <a:rPr lang="zh-CN" altLang="en-US" dirty="0" smtClean="0"/>
+                        <a:t>不能反映训练数据本身的特性</a:t>
+                      </a:r>
+                      <a:endParaRPr lang="en-US" altLang="zh-CN" dirty="0" smtClean="0"/>
+                    </a:p>
+                    <a:p>
+                      <a:r>
+                        <a:rPr lang="zh-CN" altLang="en-US" dirty="0" smtClean="0"/>
+                        <a:t>只能判断</a:t>
+                      </a:r>
+                      <a:r>
+                        <a:rPr lang="en-US" altLang="zh-CN" dirty="0" smtClean="0"/>
+                        <a:t>label</a:t>
+                      </a:r>
+                      <a:endParaRPr lang="en-US" dirty="0"/>
+                    </a:p>
+                  </a:txBody>
+                  <a:tcPr/>
+                </a:tc>
+                <a:extLst>
+                  <a:ext uri="{0D108BD9-81ED-4DB2-BD59-A6C34878D82A}">
+                    <a16:rowId xmlns:a16="http://schemas.microsoft.com/office/drawing/2014/main" val="1965187021"/>
+                  </a:ext>
+                </a:extLst>
+              </a:tr>
+            </a:tbl>
+          </a:graphicData>
+        </a:graphic>
+      </p:graphicFrame>
     </p:spTree>
     <p:extLst>
       <p:ext uri="{BB962C8B-B14F-4D97-AF65-F5344CB8AC3E}">
@@ -4240,6 +5249,13 @@
   <p:clrMapOvr>
     <a:masterClrMapping/>
   </p:clrMapOvr>
+  <p:timing>
+    <p:tnLst>
+      <p:par>
+        <p:cTn id="1" dur="indefinite" restart="never" nodeType="tmRoot"/>
+      </p:par>
+    </p:tnLst>
+  </p:timing>
 </p:sld>
 </file>
 
@@ -4276,6 +5292,372 @@
           <a:lstStyle/>
           <a:p>
             <a:r>
+              <a:rPr lang="en-US" dirty="0" smtClean="0"/>
+              <a:t>GAN </a:t>
+            </a:r>
+            <a:r>
+              <a:rPr lang="zh-CN" altLang="en-US" dirty="0" smtClean="0">
+                <a:latin typeface="+mj-ea"/>
+              </a:rPr>
+              <a:t>的原理</a:t>
+            </a:r>
+            <a:endParaRPr lang="en-US" dirty="0">
+              <a:latin typeface="+mj-ea"/>
+            </a:endParaRPr>
+          </a:p>
+        </p:txBody>
+      </p:sp>
+      <p:sp>
+        <p:nvSpPr>
+          <p:cNvPr id="3" name="Content Placeholder 2"/>
+          <p:cNvSpPr>
+            <a:spLocks noGrp="1"/>
+          </p:cNvSpPr>
+          <p:nvPr>
+            <p:ph idx="1"/>
+          </p:nvPr>
+        </p:nvSpPr>
+        <p:spPr/>
+        <p:txBody>
+          <a:bodyPr/>
+          <a:lstStyle/>
+          <a:p>
+            <a:r>
+              <a:rPr lang="zh-CN" altLang="en-US" dirty="0" smtClean="0"/>
+              <a:t>输入：</a:t>
+            </a:r>
+            <a:endParaRPr lang="en-US" altLang="zh-CN" dirty="0" smtClean="0"/>
+          </a:p>
+          <a:p>
+            <a:pPr lvl="1"/>
+            <a:r>
+              <a:rPr lang="zh-CN" altLang="en-US" dirty="0" smtClean="0"/>
+              <a:t>真实采集的人脸样本</a:t>
+            </a:r>
+            <a:endParaRPr lang="en-US" altLang="zh-CN" dirty="0" smtClean="0"/>
+          </a:p>
+          <a:p>
+            <a:pPr lvl="1"/>
+            <a:r>
+              <a:rPr lang="zh-CN" altLang="en-US" dirty="0" smtClean="0"/>
+              <a:t>没标签（同属一类）</a:t>
+            </a:r>
+            <a:endParaRPr lang="en-US" altLang="zh-CN" dirty="0" smtClean="0"/>
+          </a:p>
+          <a:p>
+            <a:r>
+              <a:rPr lang="zh-CN" altLang="en-US" dirty="0"/>
+              <a:t>目</a:t>
+            </a:r>
+            <a:r>
+              <a:rPr lang="zh-CN" altLang="en-US" dirty="0" smtClean="0"/>
+              <a:t>标：</a:t>
+            </a:r>
+            <a:endParaRPr lang="en-US" altLang="zh-CN" dirty="0" smtClean="0"/>
+          </a:p>
+          <a:p>
+            <a:pPr lvl="1"/>
+            <a:r>
+              <a:rPr lang="zh-CN" altLang="en-US" dirty="0"/>
+              <a:t>输</a:t>
+            </a:r>
+            <a:r>
+              <a:rPr lang="zh-CN" altLang="en-US" dirty="0" smtClean="0"/>
+              <a:t>入一个噪声，得到</a:t>
+            </a:r>
+            <a:r>
+              <a:rPr lang="zh-CN" altLang="en-US" dirty="0"/>
+              <a:t>一</a:t>
+            </a:r>
+            <a:endParaRPr lang="en-US" altLang="zh-CN" dirty="0" smtClean="0"/>
+          </a:p>
+          <a:p>
+            <a:pPr marL="457200" lvl="1" indent="0">
+              <a:buNone/>
+            </a:pPr>
+            <a:r>
+              <a:rPr lang="zh-CN" altLang="en-US" dirty="0" smtClean="0"/>
+              <a:t>张可以假乱真的人脸图片</a:t>
+            </a:r>
+            <a:endParaRPr lang="en-US" altLang="zh-CN" dirty="0" smtClean="0"/>
+          </a:p>
+          <a:p>
+            <a:pPr lvl="1"/>
+            <a:r>
+              <a:rPr lang="zh-CN" altLang="en-US" dirty="0"/>
+              <a:t>生</a:t>
+            </a:r>
+            <a:r>
+              <a:rPr lang="zh-CN" altLang="en-US" dirty="0" smtClean="0"/>
+              <a:t>成网络 </a:t>
+            </a:r>
+            <a:r>
+              <a:rPr lang="en-US" altLang="zh-CN" dirty="0" smtClean="0"/>
+              <a:t>vs. </a:t>
+            </a:r>
+            <a:r>
+              <a:rPr lang="zh-CN" altLang="en-US" dirty="0" smtClean="0"/>
+              <a:t>判别网络</a:t>
+            </a:r>
+            <a:endParaRPr lang="en-US" altLang="zh-CN" dirty="0" smtClean="0"/>
+          </a:p>
+          <a:p>
+            <a:pPr lvl="1"/>
+            <a:r>
+              <a:rPr lang="zh-CN" altLang="en-US" dirty="0" smtClean="0"/>
+              <a:t>生成网络取得最后胜利！</a:t>
+            </a:r>
+            <a:endParaRPr lang="en-US" altLang="zh-CN" dirty="0" smtClean="0"/>
+          </a:p>
+          <a:p>
+            <a:endParaRPr lang="en-US" dirty="0"/>
+          </a:p>
+        </p:txBody>
+      </p:sp>
+      <p:pic>
+        <p:nvPicPr>
+          <p:cNvPr id="1026" name="Picture 2" descr="最简单易懂的GAN（生成对抗网络）教程：从理论到实践（附代码）"/>
+          <p:cNvPicPr>
+            <a:picLocks noChangeAspect="1" noChangeArrowheads="1"/>
+          </p:cNvPicPr>
+          <p:nvPr/>
+        </p:nvPicPr>
+        <p:blipFill>
+          <a:blip r:embed="rId3">
+            <a:extLst>
+              <a:ext uri="{28A0092B-C50C-407E-A947-70E740481C1C}">
+                <a14:useLocalDpi xmlns:a14="http://schemas.microsoft.com/office/drawing/2010/main" val="0"/>
+              </a:ext>
+            </a:extLst>
+          </a:blip>
+          <a:srcRect/>
+          <a:stretch>
+            <a:fillRect/>
+          </a:stretch>
+        </p:blipFill>
+        <p:spPr bwMode="auto">
+          <a:xfrm>
+            <a:off x="4851400" y="3110706"/>
+            <a:ext cx="7048500" cy="3457576"/>
+          </a:xfrm>
+          <a:prstGeom prst="rect">
+            <a:avLst/>
+          </a:prstGeom>
+          <a:noFill/>
+          <a:extLst>
+            <a:ext uri="{909E8E84-426E-40DD-AFC4-6F175D3DCCD1}">
+              <a14:hiddenFill xmlns:a14="http://schemas.microsoft.com/office/drawing/2010/main">
+                <a:solidFill>
+                  <a:srgbClr val="FFFFFF"/>
+                </a:solidFill>
+              </a14:hiddenFill>
+            </a:ext>
+          </a:extLst>
+        </p:spPr>
+      </p:pic>
+      <p:pic>
+        <p:nvPicPr>
+          <p:cNvPr id="1028" name="Picture 4" descr="gan"/>
+          <p:cNvPicPr>
+            <a:picLocks noChangeAspect="1" noChangeArrowheads="1"/>
+          </p:cNvPicPr>
+          <p:nvPr/>
+        </p:nvPicPr>
+        <p:blipFill>
+          <a:blip r:embed="rId4">
+            <a:extLst>
+              <a:ext uri="{28A0092B-C50C-407E-A947-70E740481C1C}">
+                <a14:useLocalDpi xmlns:a14="http://schemas.microsoft.com/office/drawing/2010/main" val="0"/>
+              </a:ext>
+            </a:extLst>
+          </a:blip>
+          <a:srcRect/>
+          <a:stretch>
+            <a:fillRect/>
+          </a:stretch>
+        </p:blipFill>
+        <p:spPr bwMode="auto">
+          <a:xfrm>
+            <a:off x="7054850" y="148431"/>
+            <a:ext cx="4572000" cy="2571750"/>
+          </a:xfrm>
+          <a:prstGeom prst="rect">
+            <a:avLst/>
+          </a:prstGeom>
+          <a:noFill/>
+          <a:extLst>
+            <a:ext uri="{909E8E84-426E-40DD-AFC4-6F175D3DCCD1}">
+              <a14:hiddenFill xmlns:a14="http://schemas.microsoft.com/office/drawing/2010/main">
+                <a:solidFill>
+                  <a:srgbClr val="FFFFFF"/>
+                </a:solidFill>
+              </a14:hiddenFill>
+            </a:ext>
+          </a:extLst>
+        </p:spPr>
+      </p:pic>
+      <p:sp>
+        <p:nvSpPr>
+          <p:cNvPr id="4" name="Rectangle 3"/>
+          <p:cNvSpPr/>
+          <p:nvPr/>
+        </p:nvSpPr>
+        <p:spPr>
+          <a:xfrm>
+            <a:off x="7800975" y="2593508"/>
+            <a:ext cx="4098925" cy="261610"/>
+          </a:xfrm>
+          <a:prstGeom prst="rect">
+            <a:avLst/>
+          </a:prstGeom>
+        </p:spPr>
+        <p:txBody>
+          <a:bodyPr wrap="square">
+            <a:spAutoFit/>
+          </a:bodyPr>
+          <a:lstStyle/>
+          <a:p>
+            <a:r>
+              <a:rPr lang="en-US" sz="1100" i="1" dirty="0">
+                <a:solidFill>
+                  <a:srgbClr val="4D5054"/>
+                </a:solidFill>
+                <a:latin typeface="Open Sans"/>
+              </a:rPr>
+              <a:t>GAN overview. Source: </a:t>
+            </a:r>
+            <a:r>
+              <a:rPr lang="en-US" sz="1100" i="1" dirty="0">
+                <a:solidFill>
+                  <a:srgbClr val="2196F3"/>
+                </a:solidFill>
+                <a:latin typeface="Open Sans"/>
+                <a:hlinkClick r:id="rId5"/>
+              </a:rPr>
+              <a:t>https://ishmaelbelghazi.github.io/ALI</a:t>
+            </a:r>
+            <a:endParaRPr lang="en-US" sz="1100" dirty="0"/>
+          </a:p>
+        </p:txBody>
+      </p:sp>
+    </p:spTree>
+    <p:extLst>
+      <p:ext uri="{BB962C8B-B14F-4D97-AF65-F5344CB8AC3E}">
+        <p14:creationId xmlns:p14="http://schemas.microsoft.com/office/powerpoint/2010/main" val="3611510981"/>
+      </p:ext>
+    </p:extLst>
+  </p:cSld>
+  <p:clrMapOvr>
+    <a:masterClrMapping/>
+  </p:clrMapOvr>
+</p:sld>
+</file>
+
+<file path=ppt/slides/slide5.xml><?xml version="1.0" encoding="utf-8"?>
+<p:sld xmlns:a="http://schemas.openxmlformats.org/drawingml/2006/main" xmlns:r="http://schemas.openxmlformats.org/officeDocument/2006/relationships" xmlns:p="http://schemas.openxmlformats.org/presentationml/2006/main">
+  <p:cSld>
+    <p:spTree>
+      <p:nvGrpSpPr>
+        <p:cNvPr id="1" name=""/>
+        <p:cNvGrpSpPr/>
+        <p:nvPr/>
+      </p:nvGrpSpPr>
+      <p:grpSpPr>
+        <a:xfrm>
+          <a:off x="0" y="0"/>
+          <a:ext cx="0" cy="0"/>
+          <a:chOff x="0" y="0"/>
+          <a:chExt cx="0" cy="0"/>
+        </a:xfrm>
+      </p:grpSpPr>
+      <p:sp>
+        <p:nvSpPr>
+          <p:cNvPr id="2" name="Title 1"/>
+          <p:cNvSpPr>
+            <a:spLocks noGrp="1"/>
+          </p:cNvSpPr>
+          <p:nvPr>
+            <p:ph type="title"/>
+          </p:nvPr>
+        </p:nvSpPr>
+        <p:spPr/>
+        <p:txBody>
+          <a:bodyPr/>
+          <a:lstStyle/>
+          <a:p>
+            <a:r>
+              <a:rPr lang="en-US" dirty="0" smtClean="0"/>
+              <a:t>DEMO – DCGAN (Deep Convolutional GAN)</a:t>
+            </a:r>
+            <a:endParaRPr lang="en-US" dirty="0"/>
+          </a:p>
+        </p:txBody>
+      </p:sp>
+      <p:sp>
+        <p:nvSpPr>
+          <p:cNvPr id="3" name="Content Placeholder 2"/>
+          <p:cNvSpPr>
+            <a:spLocks noGrp="1"/>
+          </p:cNvSpPr>
+          <p:nvPr>
+            <p:ph idx="1"/>
+          </p:nvPr>
+        </p:nvSpPr>
+        <p:spPr/>
+        <p:txBody>
+          <a:bodyPr/>
+          <a:lstStyle/>
+          <a:p>
+            <a:endParaRPr lang="en-US" dirty="0"/>
+          </a:p>
+        </p:txBody>
+      </p:sp>
+    </p:spTree>
+    <p:extLst>
+      <p:ext uri="{BB962C8B-B14F-4D97-AF65-F5344CB8AC3E}">
+        <p14:creationId xmlns:p14="http://schemas.microsoft.com/office/powerpoint/2010/main" val="4055783783"/>
+      </p:ext>
+    </p:extLst>
+  </p:cSld>
+  <p:clrMapOvr>
+    <a:masterClrMapping/>
+  </p:clrMapOvr>
+</p:sld>
+</file>
+
+<file path=ppt/slides/slide6.xml><?xml version="1.0" encoding="utf-8"?>
+<p:sld xmlns:a="http://schemas.openxmlformats.org/drawingml/2006/main" xmlns:r="http://schemas.openxmlformats.org/officeDocument/2006/relationships" xmlns:p="http://schemas.openxmlformats.org/presentationml/2006/main">
+  <p:cSld>
+    <p:spTree>
+      <p:nvGrpSpPr>
+        <p:cNvPr id="1" name=""/>
+        <p:cNvGrpSpPr/>
+        <p:nvPr/>
+      </p:nvGrpSpPr>
+      <p:grpSpPr>
+        <a:xfrm>
+          <a:off x="0" y="0"/>
+          <a:ext cx="0" cy="0"/>
+          <a:chOff x="0" y="0"/>
+          <a:chExt cx="0" cy="0"/>
+        </a:xfrm>
+      </p:grpSpPr>
+      <p:sp>
+        <p:nvSpPr>
+          <p:cNvPr id="2" name="Title 1"/>
+          <p:cNvSpPr>
+            <a:spLocks noGrp="1"/>
+          </p:cNvSpPr>
+          <p:nvPr>
+            <p:ph type="title"/>
+          </p:nvPr>
+        </p:nvSpPr>
+        <p:spPr/>
+        <p:txBody>
+          <a:bodyPr/>
+          <a:lstStyle/>
+          <a:p>
+            <a:r>
               <a:rPr lang="zh-CN" altLang="en-US" dirty="0"/>
               <a:t>参</a:t>
             </a:r>
@@ -4342,11 +5724,8 @@
               <a:rPr lang="en-US" dirty="0" smtClean="0">
                 <a:hlinkClick r:id="rId4"/>
               </a:rPr>
-              <a:t>github.com/roatienza/Deep-Learning-Experiments/blob/master/Experiments/Tensorflow/GAN/dcgan_mnist.py</a:t>
-            </a:r>
-            <a:endParaRPr lang="en-US" dirty="0" smtClean="0"/>
-          </a:p>
-          <a:p>
+              <a:t>github.com/roatienza/Deep-Learning-Experiments/</a:t>
+            </a:r>
             <a:endParaRPr lang="en-US" dirty="0"/>
           </a:p>
           <a:p>

--- a/gan/GAN.pptx
+++ b/gan/GAN.pptx
@@ -5,15 +5,16 @@
     <p:sldMasterId id="2147483648" r:id="rId1"/>
   </p:sldMasterIdLst>
   <p:notesMasterIdLst>
-    <p:notesMasterId r:id="rId8"/>
+    <p:notesMasterId r:id="rId9"/>
   </p:notesMasterIdLst>
   <p:sldIdLst>
     <p:sldId id="256" r:id="rId2"/>
     <p:sldId id="257" r:id="rId3"/>
     <p:sldId id="259" r:id="rId4"/>
     <p:sldId id="261" r:id="rId5"/>
-    <p:sldId id="260" r:id="rId6"/>
-    <p:sldId id="258" r:id="rId7"/>
+    <p:sldId id="262" r:id="rId6"/>
+    <p:sldId id="260" r:id="rId7"/>
+    <p:sldId id="258" r:id="rId8"/>
   </p:sldIdLst>
   <p:sldSz cx="12192000" cy="6858000"/>
   <p:notesSz cx="6858000" cy="9144000"/>
@@ -202,7 +203,7 @@
           <a:p>
             <a:fld id="{F55A1EB6-340D-43E7-9494-C3474AD76D90}" type="datetimeFigureOut">
               <a:rPr lang="en-US" smtClean="0"/>
-              <a:t>12/26/2017</a:t>
+              <a:t>12/27/2017</a:t>
             </a:fld>
             <a:endParaRPr lang="en-US"/>
           </a:p>
@@ -1174,7 +1175,7 @@
     </p:spTree>
     <p:extLst>
       <p:ext uri="{BB962C8B-B14F-4D97-AF65-F5344CB8AC3E}">
-        <p14:creationId xmlns:p14="http://schemas.microsoft.com/office/powerpoint/2010/main" val="3915207275"/>
+        <p14:creationId xmlns:p14="http://schemas.microsoft.com/office/powerpoint/2010/main" val="3126652218"/>
       </p:ext>
     </p:extLst>
   </p:cSld>
@@ -1250,6 +1251,90 @@
             <a:fld id="{14E3600C-9E55-46EC-B1CF-DF787412DA6B}" type="slidenum">
               <a:rPr lang="en-US" smtClean="0"/>
               <a:t>6</a:t>
+            </a:fld>
+            <a:endParaRPr lang="en-US"/>
+          </a:p>
+        </p:txBody>
+      </p:sp>
+    </p:spTree>
+    <p:extLst>
+      <p:ext uri="{BB962C8B-B14F-4D97-AF65-F5344CB8AC3E}">
+        <p14:creationId xmlns:p14="http://schemas.microsoft.com/office/powerpoint/2010/main" val="3915207275"/>
+      </p:ext>
+    </p:extLst>
+  </p:cSld>
+  <p:clrMapOvr>
+    <a:masterClrMapping/>
+  </p:clrMapOvr>
+</p:notes>
+</file>
+
+<file path=ppt/notesSlides/notesSlide7.xml><?xml version="1.0" encoding="utf-8"?>
+<p:notes xmlns:a="http://schemas.openxmlformats.org/drawingml/2006/main" xmlns:r="http://schemas.openxmlformats.org/officeDocument/2006/relationships" xmlns:p="http://schemas.openxmlformats.org/presentationml/2006/main">
+  <p:cSld>
+    <p:spTree>
+      <p:nvGrpSpPr>
+        <p:cNvPr id="1" name=""/>
+        <p:cNvGrpSpPr/>
+        <p:nvPr/>
+      </p:nvGrpSpPr>
+      <p:grpSpPr>
+        <a:xfrm>
+          <a:off x="0" y="0"/>
+          <a:ext cx="0" cy="0"/>
+          <a:chOff x="0" y="0"/>
+          <a:chExt cx="0" cy="0"/>
+        </a:xfrm>
+      </p:grpSpPr>
+      <p:sp>
+        <p:nvSpPr>
+          <p:cNvPr id="2" name="Slide Image Placeholder 1"/>
+          <p:cNvSpPr>
+            <a:spLocks noGrp="1" noRot="1" noChangeAspect="1"/>
+          </p:cNvSpPr>
+          <p:nvPr>
+            <p:ph type="sldImg"/>
+          </p:nvPr>
+        </p:nvSpPr>
+        <p:spPr/>
+      </p:sp>
+      <p:sp>
+        <p:nvSpPr>
+          <p:cNvPr id="3" name="Notes Placeholder 2"/>
+          <p:cNvSpPr>
+            <a:spLocks noGrp="1"/>
+          </p:cNvSpPr>
+          <p:nvPr>
+            <p:ph type="body" idx="1"/>
+          </p:nvPr>
+        </p:nvSpPr>
+        <p:spPr/>
+        <p:txBody>
+          <a:bodyPr/>
+          <a:lstStyle/>
+          <a:p>
+            <a:endParaRPr lang="en-US"/>
+          </a:p>
+        </p:txBody>
+      </p:sp>
+      <p:sp>
+        <p:nvSpPr>
+          <p:cNvPr id="4" name="Slide Number Placeholder 3"/>
+          <p:cNvSpPr>
+            <a:spLocks noGrp="1"/>
+          </p:cNvSpPr>
+          <p:nvPr>
+            <p:ph type="sldNum" sz="quarter" idx="10"/>
+          </p:nvPr>
+        </p:nvSpPr>
+        <p:spPr/>
+        <p:txBody>
+          <a:bodyPr/>
+          <a:lstStyle/>
+          <a:p>
+            <a:fld id="{14E3600C-9E55-46EC-B1CF-DF787412DA6B}" type="slidenum">
+              <a:rPr lang="en-US" smtClean="0"/>
+              <a:t>7</a:t>
             </a:fld>
             <a:endParaRPr lang="en-US"/>
           </a:p>
@@ -1399,7 +1484,7 @@
           <a:p>
             <a:fld id="{196B9BB3-95BF-4FB3-817B-C0A307063576}" type="datetimeFigureOut">
               <a:rPr lang="en-US" smtClean="0"/>
-              <a:t>12/26/2017</a:t>
+              <a:t>12/27/2017</a:t>
             </a:fld>
             <a:endParaRPr lang="en-US"/>
           </a:p>
@@ -1569,7 +1654,7 @@
           <a:p>
             <a:fld id="{196B9BB3-95BF-4FB3-817B-C0A307063576}" type="datetimeFigureOut">
               <a:rPr lang="en-US" smtClean="0"/>
-              <a:t>12/26/2017</a:t>
+              <a:t>12/27/2017</a:t>
             </a:fld>
             <a:endParaRPr lang="en-US"/>
           </a:p>
@@ -1749,7 +1834,7 @@
           <a:p>
             <a:fld id="{196B9BB3-95BF-4FB3-817B-C0A307063576}" type="datetimeFigureOut">
               <a:rPr lang="en-US" smtClean="0"/>
-              <a:t>12/26/2017</a:t>
+              <a:t>12/27/2017</a:t>
             </a:fld>
             <a:endParaRPr lang="en-US"/>
           </a:p>
@@ -1919,7 +2004,7 @@
           <a:p>
             <a:fld id="{196B9BB3-95BF-4FB3-817B-C0A307063576}" type="datetimeFigureOut">
               <a:rPr lang="en-US" smtClean="0"/>
-              <a:t>12/26/2017</a:t>
+              <a:t>12/27/2017</a:t>
             </a:fld>
             <a:endParaRPr lang="en-US"/>
           </a:p>
@@ -2165,7 +2250,7 @@
           <a:p>
             <a:fld id="{196B9BB3-95BF-4FB3-817B-C0A307063576}" type="datetimeFigureOut">
               <a:rPr lang="en-US" smtClean="0"/>
-              <a:t>12/26/2017</a:t>
+              <a:t>12/27/2017</a:t>
             </a:fld>
             <a:endParaRPr lang="en-US"/>
           </a:p>
@@ -2397,7 +2482,7 @@
           <a:p>
             <a:fld id="{196B9BB3-95BF-4FB3-817B-C0A307063576}" type="datetimeFigureOut">
               <a:rPr lang="en-US" smtClean="0"/>
-              <a:t>12/26/2017</a:t>
+              <a:t>12/27/2017</a:t>
             </a:fld>
             <a:endParaRPr lang="en-US"/>
           </a:p>
@@ -2764,7 +2849,7 @@
           <a:p>
             <a:fld id="{196B9BB3-95BF-4FB3-817B-C0A307063576}" type="datetimeFigureOut">
               <a:rPr lang="en-US" smtClean="0"/>
-              <a:t>12/26/2017</a:t>
+              <a:t>12/27/2017</a:t>
             </a:fld>
             <a:endParaRPr lang="en-US"/>
           </a:p>
@@ -2882,7 +2967,7 @@
           <a:p>
             <a:fld id="{196B9BB3-95BF-4FB3-817B-C0A307063576}" type="datetimeFigureOut">
               <a:rPr lang="en-US" smtClean="0"/>
-              <a:t>12/26/2017</a:t>
+              <a:t>12/27/2017</a:t>
             </a:fld>
             <a:endParaRPr lang="en-US"/>
           </a:p>
@@ -2977,7 +3062,7 @@
           <a:p>
             <a:fld id="{196B9BB3-95BF-4FB3-817B-C0A307063576}" type="datetimeFigureOut">
               <a:rPr lang="en-US" smtClean="0"/>
-              <a:t>12/26/2017</a:t>
+              <a:t>12/27/2017</a:t>
             </a:fld>
             <a:endParaRPr lang="en-US"/>
           </a:p>
@@ -3254,7 +3339,7 @@
           <a:p>
             <a:fld id="{196B9BB3-95BF-4FB3-817B-C0A307063576}" type="datetimeFigureOut">
               <a:rPr lang="en-US" smtClean="0"/>
-              <a:t>12/26/2017</a:t>
+              <a:t>12/27/2017</a:t>
             </a:fld>
             <a:endParaRPr lang="en-US"/>
           </a:p>
@@ -3507,7 +3592,7 @@
           <a:p>
             <a:fld id="{196B9BB3-95BF-4FB3-817B-C0A307063576}" type="datetimeFigureOut">
               <a:rPr lang="en-US" smtClean="0"/>
-              <a:t>12/26/2017</a:t>
+              <a:t>12/27/2017</a:t>
             </a:fld>
             <a:endParaRPr lang="en-US"/>
           </a:p>
@@ -3720,7 +3805,7 @@
           <a:p>
             <a:fld id="{196B9BB3-95BF-4FB3-817B-C0A307063576}" type="datetimeFigureOut">
               <a:rPr lang="en-US" smtClean="0"/>
-              <a:t>12/26/2017</a:t>
+              <a:t>12/27/2017</a:t>
             </a:fld>
             <a:endParaRPr lang="en-US"/>
           </a:p>
@@ -5084,15 +5169,7 @@
                     <a:p>
                       <a:r>
                         <a:rPr lang="zh-CN" altLang="en-US" dirty="0" smtClean="0"/>
-                        <a:t>不适合高纬度、大</a:t>
-                      </a:r>
-                      <a:r>
-                        <a:rPr lang="zh-CN" altLang="en-US" dirty="0" smtClean="0"/>
-                        <a:t>量</a:t>
-                      </a:r>
-                      <a:r>
-                        <a:rPr lang="zh-CN" altLang="en-US" dirty="0" smtClean="0"/>
-                        <a:t>数据</a:t>
+                        <a:t>不适合高纬度、大量数据</a:t>
                       </a:r>
                       <a:endParaRPr lang="en-US" altLang="zh-CN" dirty="0" smtClean="0"/>
                     </a:p>
@@ -5586,10 +5663,9 @@
           <a:lstStyle/>
           <a:p>
             <a:r>
-              <a:rPr lang="en-US" dirty="0" smtClean="0"/>
-              <a:t>DEMO – DCGAN (Deep Convolutional GAN)</a:t>
-            </a:r>
-            <a:endParaRPr lang="en-US" dirty="0"/>
+              <a:rPr lang="en-US" dirty="0"/>
+              <a:t>DCGAN (Deep Convolutional GAN)</a:t>
+            </a:r>
           </a:p>
         </p:txBody>
       </p:sp>
@@ -5608,14 +5684,14 @@
           <a:bodyPr/>
           <a:lstStyle/>
           <a:p>
-            <a:endParaRPr lang="en-US" dirty="0"/>
+            <a:endParaRPr lang="en-US"/>
           </a:p>
         </p:txBody>
       </p:sp>
     </p:spTree>
     <p:extLst>
       <p:ext uri="{BB962C8B-B14F-4D97-AF65-F5344CB8AC3E}">
-        <p14:creationId xmlns:p14="http://schemas.microsoft.com/office/powerpoint/2010/main" val="4055783783"/>
+        <p14:creationId xmlns:p14="http://schemas.microsoft.com/office/powerpoint/2010/main" val="2291299601"/>
       </p:ext>
     </p:extLst>
   </p:cSld>
@@ -5658,6 +5734,78 @@
           <a:lstStyle/>
           <a:p>
             <a:r>
+              <a:rPr lang="en-US" dirty="0" smtClean="0"/>
+              <a:t>DEMO – DCGAN (Deep Convolutional GAN)</a:t>
+            </a:r>
+            <a:endParaRPr lang="en-US" dirty="0"/>
+          </a:p>
+        </p:txBody>
+      </p:sp>
+      <p:sp>
+        <p:nvSpPr>
+          <p:cNvPr id="3" name="Content Placeholder 2"/>
+          <p:cNvSpPr>
+            <a:spLocks noGrp="1"/>
+          </p:cNvSpPr>
+          <p:nvPr>
+            <p:ph idx="1"/>
+          </p:nvPr>
+        </p:nvSpPr>
+        <p:spPr/>
+        <p:txBody>
+          <a:bodyPr/>
+          <a:lstStyle/>
+          <a:p>
+            <a:endParaRPr lang="en-US" dirty="0"/>
+          </a:p>
+        </p:txBody>
+      </p:sp>
+    </p:spTree>
+    <p:extLst>
+      <p:ext uri="{BB962C8B-B14F-4D97-AF65-F5344CB8AC3E}">
+        <p14:creationId xmlns:p14="http://schemas.microsoft.com/office/powerpoint/2010/main" val="4055783783"/>
+      </p:ext>
+    </p:extLst>
+  </p:cSld>
+  <p:clrMapOvr>
+    <a:masterClrMapping/>
+  </p:clrMapOvr>
+</p:sld>
+</file>
+
+<file path=ppt/slides/slide7.xml><?xml version="1.0" encoding="utf-8"?>
+<p:sld xmlns:a="http://schemas.openxmlformats.org/drawingml/2006/main" xmlns:r="http://schemas.openxmlformats.org/officeDocument/2006/relationships" xmlns:p="http://schemas.openxmlformats.org/presentationml/2006/main">
+  <p:cSld>
+    <p:spTree>
+      <p:nvGrpSpPr>
+        <p:cNvPr id="1" name=""/>
+        <p:cNvGrpSpPr/>
+        <p:nvPr/>
+      </p:nvGrpSpPr>
+      <p:grpSpPr>
+        <a:xfrm>
+          <a:off x="0" y="0"/>
+          <a:ext cx="0" cy="0"/>
+          <a:chOff x="0" y="0"/>
+          <a:chExt cx="0" cy="0"/>
+        </a:xfrm>
+      </p:grpSpPr>
+      <p:sp>
+        <p:nvSpPr>
+          <p:cNvPr id="2" name="Title 1"/>
+          <p:cNvSpPr>
+            <a:spLocks noGrp="1"/>
+          </p:cNvSpPr>
+          <p:nvPr>
+            <p:ph type="title"/>
+          </p:nvPr>
+        </p:nvSpPr>
+        <p:spPr/>
+        <p:txBody>
+          <a:bodyPr/>
+          <a:lstStyle/>
+          <a:p>
+            <a:r>
               <a:rPr lang="zh-CN" altLang="en-US" dirty="0"/>
               <a:t>参</a:t>
             </a:r>
@@ -5718,11 +5866,30 @@
               <a:rPr lang="en-US" dirty="0">
                 <a:hlinkClick r:id="rId4"/>
               </a:rPr>
-              <a:t>https://</a:t>
+              <a:t>Unsupervised Representation Learning with Deep Convolutional Generative Adversarial </a:t>
             </a:r>
             <a:r>
               <a:rPr lang="en-US" dirty="0" smtClean="0">
                 <a:hlinkClick r:id="rId4"/>
+              </a:rPr>
+              <a:t>Networks </a:t>
+            </a:r>
+            <a:r>
+              <a:rPr lang="en-US" dirty="0" smtClean="0"/>
+              <a:t>by Radford et al. 2015.</a:t>
+            </a:r>
+            <a:endParaRPr lang="en-US" dirty="0" smtClean="0"/>
+          </a:p>
+          <a:p>
+            <a:r>
+              <a:rPr lang="en-US" dirty="0">
+                <a:hlinkClick r:id="rId5"/>
+              </a:rPr>
+              <a:t>https://</a:t>
+            </a:r>
+            <a:r>
+              <a:rPr lang="en-US" dirty="0" smtClean="0">
+                <a:hlinkClick r:id="rId5"/>
               </a:rPr>
               <a:t>github.com/roatienza/Deep-Learning-Experiments/</a:t>
             </a:r>

--- a/gan/GAN.pptx
+++ b/gan/GAN.pptx
@@ -203,7 +203,7 @@
           <a:p>
             <a:fld id="{F55A1EB6-340D-43E7-9494-C3474AD76D90}" type="datetimeFigureOut">
               <a:rPr lang="en-US" smtClean="0"/>
-              <a:t>12/27/2017</a:t>
+              <a:t>12/29/2017</a:t>
             </a:fld>
             <a:endParaRPr lang="en-US"/>
           </a:p>
@@ -1145,7 +1145,7 @@
           <a:bodyPr/>
           <a:lstStyle/>
           <a:p>
-            <a:endParaRPr lang="en-US"/>
+            <a:endParaRPr lang="en-US" dirty="0"/>
           </a:p>
         </p:txBody>
       </p:sp>
@@ -1484,7 +1484,7 @@
           <a:p>
             <a:fld id="{196B9BB3-95BF-4FB3-817B-C0A307063576}" type="datetimeFigureOut">
               <a:rPr lang="en-US" smtClean="0"/>
-              <a:t>12/27/2017</a:t>
+              <a:t>12/29/2017</a:t>
             </a:fld>
             <a:endParaRPr lang="en-US"/>
           </a:p>
@@ -1654,7 +1654,7 @@
           <a:p>
             <a:fld id="{196B9BB3-95BF-4FB3-817B-C0A307063576}" type="datetimeFigureOut">
               <a:rPr lang="en-US" smtClean="0"/>
-              <a:t>12/27/2017</a:t>
+              <a:t>12/29/2017</a:t>
             </a:fld>
             <a:endParaRPr lang="en-US"/>
           </a:p>
@@ -1834,7 +1834,7 @@
           <a:p>
             <a:fld id="{196B9BB3-95BF-4FB3-817B-C0A307063576}" type="datetimeFigureOut">
               <a:rPr lang="en-US" smtClean="0"/>
-              <a:t>12/27/2017</a:t>
+              <a:t>12/29/2017</a:t>
             </a:fld>
             <a:endParaRPr lang="en-US"/>
           </a:p>
@@ -2004,7 +2004,7 @@
           <a:p>
             <a:fld id="{196B9BB3-95BF-4FB3-817B-C0A307063576}" type="datetimeFigureOut">
               <a:rPr lang="en-US" smtClean="0"/>
-              <a:t>12/27/2017</a:t>
+              <a:t>12/29/2017</a:t>
             </a:fld>
             <a:endParaRPr lang="en-US"/>
           </a:p>
@@ -2250,7 +2250,7 @@
           <a:p>
             <a:fld id="{196B9BB3-95BF-4FB3-817B-C0A307063576}" type="datetimeFigureOut">
               <a:rPr lang="en-US" smtClean="0"/>
-              <a:t>12/27/2017</a:t>
+              <a:t>12/29/2017</a:t>
             </a:fld>
             <a:endParaRPr lang="en-US"/>
           </a:p>
@@ -2482,7 +2482,7 @@
           <a:p>
             <a:fld id="{196B9BB3-95BF-4FB3-817B-C0A307063576}" type="datetimeFigureOut">
               <a:rPr lang="en-US" smtClean="0"/>
-              <a:t>12/27/2017</a:t>
+              <a:t>12/29/2017</a:t>
             </a:fld>
             <a:endParaRPr lang="en-US"/>
           </a:p>
@@ -2849,7 +2849,7 @@
           <a:p>
             <a:fld id="{196B9BB3-95BF-4FB3-817B-C0A307063576}" type="datetimeFigureOut">
               <a:rPr lang="en-US" smtClean="0"/>
-              <a:t>12/27/2017</a:t>
+              <a:t>12/29/2017</a:t>
             </a:fld>
             <a:endParaRPr lang="en-US"/>
           </a:p>
@@ -2967,7 +2967,7 @@
           <a:p>
             <a:fld id="{196B9BB3-95BF-4FB3-817B-C0A307063576}" type="datetimeFigureOut">
               <a:rPr lang="en-US" smtClean="0"/>
-              <a:t>12/27/2017</a:t>
+              <a:t>12/29/2017</a:t>
             </a:fld>
             <a:endParaRPr lang="en-US"/>
           </a:p>
@@ -3062,7 +3062,7 @@
           <a:p>
             <a:fld id="{196B9BB3-95BF-4FB3-817B-C0A307063576}" type="datetimeFigureOut">
               <a:rPr lang="en-US" smtClean="0"/>
-              <a:t>12/27/2017</a:t>
+              <a:t>12/29/2017</a:t>
             </a:fld>
             <a:endParaRPr lang="en-US"/>
           </a:p>
@@ -3339,7 +3339,7 @@
           <a:p>
             <a:fld id="{196B9BB3-95BF-4FB3-817B-C0A307063576}" type="datetimeFigureOut">
               <a:rPr lang="en-US" smtClean="0"/>
-              <a:t>12/27/2017</a:t>
+              <a:t>12/29/2017</a:t>
             </a:fld>
             <a:endParaRPr lang="en-US"/>
           </a:p>
@@ -3592,7 +3592,7 @@
           <a:p>
             <a:fld id="{196B9BB3-95BF-4FB3-817B-C0A307063576}" type="datetimeFigureOut">
               <a:rPr lang="en-US" smtClean="0"/>
-              <a:t>12/27/2017</a:t>
+              <a:t>12/29/2017</a:t>
             </a:fld>
             <a:endParaRPr lang="en-US"/>
           </a:p>
@@ -3805,7 +3805,7 @@
           <a:p>
             <a:fld id="{196B9BB3-95BF-4FB3-817B-C0A307063576}" type="datetimeFigureOut">
               <a:rPr lang="en-US" smtClean="0"/>
-              <a:t>12/27/2017</a:t>
+              <a:t>12/29/2017</a:t>
             </a:fld>
             <a:endParaRPr lang="en-US"/>
           </a:p>
@@ -4670,30 +4670,6 @@
           </a:p>
         </p:txBody>
       </p:sp>
-      <p:pic>
-        <p:nvPicPr>
-          <p:cNvPr id="5" name="Picture 4"/>
-          <p:cNvPicPr>
-            <a:picLocks noChangeAspect="1"/>
-          </p:cNvPicPr>
-          <p:nvPr/>
-        </p:nvPicPr>
-        <p:blipFill>
-          <a:blip r:embed="rId3"/>
-          <a:stretch>
-            <a:fillRect/>
-          </a:stretch>
-        </p:blipFill>
-        <p:spPr>
-          <a:xfrm>
-            <a:off x="9620250" y="365125"/>
-            <a:ext cx="1733550" cy="1724025"/>
-          </a:xfrm>
-          <a:prstGeom prst="rect">
-            <a:avLst/>
-          </a:prstGeom>
-        </p:spPr>
-      </p:pic>
       <p:sp>
         <p:nvSpPr>
           <p:cNvPr id="6" name="TextBox 5"/>
@@ -4702,7 +4678,7 @@
         </p:nvSpPr>
         <p:spPr>
           <a:xfrm>
-            <a:off x="9742718" y="2089150"/>
+            <a:off x="10017992" y="2581636"/>
             <a:ext cx="1611082" cy="369332"/>
           </a:xfrm>
           <a:prstGeom prst="rect">
@@ -4718,13 +4694,13 @@
           <a:p>
             <a:r>
               <a:rPr lang="en-US" dirty="0">
-                <a:hlinkClick r:id="rId4"/>
+                <a:hlinkClick r:id="rId3"/>
               </a:rPr>
               <a:t>Ian </a:t>
             </a:r>
             <a:r>
               <a:rPr lang="en-US" dirty="0" err="1">
-                <a:hlinkClick r:id="rId4"/>
+                <a:hlinkClick r:id="rId3"/>
               </a:rPr>
               <a:t>Goodfellow</a:t>
             </a:r>
@@ -4732,6 +4708,30 @@
           </a:p>
         </p:txBody>
       </p:sp>
+      <p:pic>
+        <p:nvPicPr>
+          <p:cNvPr id="4" name="Picture 3"/>
+          <p:cNvPicPr>
+            <a:picLocks noChangeAspect="1"/>
+          </p:cNvPicPr>
+          <p:nvPr/>
+        </p:nvPicPr>
+        <p:blipFill>
+          <a:blip r:embed="rId4"/>
+          <a:stretch>
+            <a:fillRect/>
+          </a:stretch>
+        </p:blipFill>
+        <p:spPr>
+          <a:xfrm>
+            <a:off x="10017992" y="365125"/>
+            <a:ext cx="1661430" cy="2205853"/>
+          </a:xfrm>
+          <a:prstGeom prst="rect">
+            <a:avLst/>
+          </a:prstGeom>
+        </p:spPr>
+      </p:pic>
     </p:spTree>
     <p:extLst>
       <p:ext uri="{BB962C8B-B14F-4D97-AF65-F5344CB8AC3E}">
@@ -5684,10 +5684,111 @@
           <a:bodyPr/>
           <a:lstStyle/>
           <a:p>
-            <a:endParaRPr lang="en-US"/>
-          </a:p>
-        </p:txBody>
-      </p:sp>
+            <a:r>
+              <a:rPr lang="zh-CN" altLang="en-US" dirty="0" smtClean="0"/>
+              <a:t>把</a:t>
+            </a:r>
+            <a:r>
+              <a:rPr lang="en-US" altLang="zh-CN" dirty="0" smtClean="0"/>
+              <a:t>GAN</a:t>
+            </a:r>
+            <a:r>
+              <a:rPr lang="zh-CN" altLang="en-US" dirty="0" smtClean="0"/>
+              <a:t>扩展到</a:t>
+            </a:r>
+            <a:r>
+              <a:rPr lang="en-US" altLang="zh-CN" dirty="0" smtClean="0"/>
+              <a:t>CNN</a:t>
+            </a:r>
+          </a:p>
+          <a:p>
+            <a:pPr lvl="1"/>
+            <a:r>
+              <a:rPr lang="en-US" dirty="0" err="1"/>
+              <a:t>LeakyReLU</a:t>
+            </a:r>
+            <a:r>
+              <a:rPr lang="zh-CN" altLang="en-US" dirty="0"/>
+              <a:t>的斜率是</a:t>
+            </a:r>
+            <a:r>
+              <a:rPr lang="en-US" altLang="zh-CN" dirty="0" smtClean="0"/>
+              <a:t>0.2</a:t>
+            </a:r>
+          </a:p>
+          <a:p>
+            <a:pPr lvl="1"/>
+            <a:r>
+              <a:rPr lang="en-US" altLang="zh-CN" dirty="0"/>
+              <a:t>learning </a:t>
+            </a:r>
+            <a:r>
+              <a:rPr lang="en-US" altLang="zh-CN" dirty="0" smtClean="0"/>
+              <a:t>rate=0.0001</a:t>
+            </a:r>
+          </a:p>
+          <a:p>
+            <a:pPr lvl="1"/>
+            <a:r>
+              <a:rPr lang="zh-CN" altLang="en-US" dirty="0"/>
+              <a:t>将</a:t>
+            </a:r>
+            <a:r>
+              <a:rPr lang="en-US" altLang="zh-CN" dirty="0"/>
+              <a:t>momentum</a:t>
+            </a:r>
+            <a:r>
+              <a:rPr lang="zh-CN" altLang="en-US" dirty="0"/>
+              <a:t>参</a:t>
+            </a:r>
+            <a:r>
+              <a:rPr lang="zh-CN" altLang="en-US" dirty="0" smtClean="0"/>
+              <a:t>数从</a:t>
+            </a:r>
+            <a:r>
+              <a:rPr lang="en-US" altLang="zh-CN" dirty="0"/>
+              <a:t>0.9</a:t>
+            </a:r>
+            <a:r>
+              <a:rPr lang="zh-CN" altLang="en-US" dirty="0"/>
+              <a:t>降为</a:t>
+            </a:r>
+            <a:r>
+              <a:rPr lang="en-US" altLang="zh-CN" dirty="0"/>
+              <a:t>0.5</a:t>
+            </a:r>
+            <a:r>
+              <a:rPr lang="zh-CN" altLang="en-US" dirty="0"/>
+              <a:t>来防止震荡和不稳定</a:t>
+            </a:r>
+            <a:endParaRPr lang="en-US" dirty="0"/>
+          </a:p>
+        </p:txBody>
+      </p:sp>
+      <p:pic>
+        <p:nvPicPr>
+          <p:cNvPr id="4" name="Picture 3"/>
+          <p:cNvPicPr>
+            <a:picLocks noChangeAspect="1"/>
+          </p:cNvPicPr>
+          <p:nvPr/>
+        </p:nvPicPr>
+        <p:blipFill>
+          <a:blip r:embed="rId3"/>
+          <a:stretch>
+            <a:fillRect/>
+          </a:stretch>
+        </p:blipFill>
+        <p:spPr>
+          <a:xfrm>
+            <a:off x="34832" y="3617965"/>
+            <a:ext cx="12105706" cy="2611251"/>
+          </a:xfrm>
+          <a:prstGeom prst="rect">
+            <a:avLst/>
+          </a:prstGeom>
+        </p:spPr>
+      </p:pic>
     </p:spTree>
     <p:extLst>
       <p:ext uri="{BB962C8B-B14F-4D97-AF65-F5344CB8AC3E}">
@@ -5734,8 +5835,8 @@
           <a:lstStyle/>
           <a:p>
             <a:r>
-              <a:rPr lang="en-US" dirty="0" smtClean="0"/>
-              <a:t>DEMO – DCGAN (Deep Convolutional GAN)</a:t>
+              <a:rPr lang="en-US" smtClean="0"/>
+              <a:t>DCGAN + MNIST</a:t>
             </a:r>
             <a:endParaRPr lang="en-US" dirty="0"/>
           </a:p>
@@ -5743,7 +5844,7 @@
       </p:sp>
       <p:sp>
         <p:nvSpPr>
-          <p:cNvPr id="3" name="Content Placeholder 2"/>
+          <p:cNvPr id="5" name="Content Placeholder 4"/>
           <p:cNvSpPr>
             <a:spLocks noGrp="1"/>
           </p:cNvSpPr>
@@ -5756,10 +5857,34 @@
           <a:bodyPr/>
           <a:lstStyle/>
           <a:p>
-            <a:endParaRPr lang="en-US" dirty="0"/>
-          </a:p>
-        </p:txBody>
-      </p:sp>
+            <a:endParaRPr lang="en-US"/>
+          </a:p>
+        </p:txBody>
+      </p:sp>
+      <p:pic>
+        <p:nvPicPr>
+          <p:cNvPr id="6" name="Picture 5"/>
+          <p:cNvPicPr>
+            <a:picLocks noChangeAspect="1"/>
+          </p:cNvPicPr>
+          <p:nvPr/>
+        </p:nvPicPr>
+        <p:blipFill>
+          <a:blip r:embed="rId3"/>
+          <a:stretch>
+            <a:fillRect/>
+          </a:stretch>
+        </p:blipFill>
+        <p:spPr>
+          <a:xfrm>
+            <a:off x="1441450" y="1690688"/>
+            <a:ext cx="8877300" cy="4829175"/>
+          </a:xfrm>
+          <a:prstGeom prst="rect">
+            <a:avLst/>
+          </a:prstGeom>
+        </p:spPr>
+      </p:pic>
     </p:spTree>
     <p:extLst>
       <p:ext uri="{BB962C8B-B14F-4D97-AF65-F5344CB8AC3E}">
@@ -5878,7 +6003,6 @@
               <a:rPr lang="en-US" dirty="0" smtClean="0"/>
               <a:t>by Radford et al. 2015.</a:t>
             </a:r>
-            <a:endParaRPr lang="en-US" dirty="0" smtClean="0"/>
           </a:p>
           <a:p>
             <a:r>
